--- a/Sprint#2/Retrospective.pptx
+++ b/Sprint#2/Retrospective.pptx
@@ -104,6 +104,11 @@
       </a:defRPr>
     </a:lvl9pPr>
   </p:defaultTextStyle>
+  <p:extLst>
+    <p:ext uri="{EFAFB233-063F-42B5-8137-9DF3F51BA10A}">
+      <p15:sldGuideLst xmlns:p15="http://schemas.microsoft.com/office/powerpoint/2012/main"/>
+    </p:ext>
+  </p:extLst>
 </p:presentation>
 </file>
 
@@ -256,7 +261,7 @@
           <a:p>
             <a:fld id="{6FD6E785-74B7-4B70-A60D-BC6A86A3CB49}" type="datetimeFigureOut">
               <a:rPr lang="en-US" smtClean="0"/>
-              <a:t>10/19/2020</a:t>
+              <a:t>10/20/2020</a:t>
             </a:fld>
             <a:endParaRPr lang="en-US"/>
           </a:p>
@@ -456,7 +461,7 @@
           <a:p>
             <a:fld id="{6FD6E785-74B7-4B70-A60D-BC6A86A3CB49}" type="datetimeFigureOut">
               <a:rPr lang="en-US" smtClean="0"/>
-              <a:t>10/19/2020</a:t>
+              <a:t>10/20/2020</a:t>
             </a:fld>
             <a:endParaRPr lang="en-US"/>
           </a:p>
@@ -666,7 +671,7 @@
           <a:p>
             <a:fld id="{6FD6E785-74B7-4B70-A60D-BC6A86A3CB49}" type="datetimeFigureOut">
               <a:rPr lang="en-US" smtClean="0"/>
-              <a:t>10/19/2020</a:t>
+              <a:t>10/20/2020</a:t>
             </a:fld>
             <a:endParaRPr lang="en-US"/>
           </a:p>
@@ -866,7 +871,7 @@
           <a:p>
             <a:fld id="{6FD6E785-74B7-4B70-A60D-BC6A86A3CB49}" type="datetimeFigureOut">
               <a:rPr lang="en-US" smtClean="0"/>
-              <a:t>10/19/2020</a:t>
+              <a:t>10/20/2020</a:t>
             </a:fld>
             <a:endParaRPr lang="en-US"/>
           </a:p>
@@ -1142,7 +1147,7 @@
           <a:p>
             <a:fld id="{6FD6E785-74B7-4B70-A60D-BC6A86A3CB49}" type="datetimeFigureOut">
               <a:rPr lang="en-US" smtClean="0"/>
-              <a:t>10/19/2020</a:t>
+              <a:t>10/20/2020</a:t>
             </a:fld>
             <a:endParaRPr lang="en-US"/>
           </a:p>
@@ -1410,7 +1415,7 @@
           <a:p>
             <a:fld id="{6FD6E785-74B7-4B70-A60D-BC6A86A3CB49}" type="datetimeFigureOut">
               <a:rPr lang="en-US" smtClean="0"/>
-              <a:t>10/19/2020</a:t>
+              <a:t>10/20/2020</a:t>
             </a:fld>
             <a:endParaRPr lang="en-US"/>
           </a:p>
@@ -1825,7 +1830,7 @@
           <a:p>
             <a:fld id="{6FD6E785-74B7-4B70-A60D-BC6A86A3CB49}" type="datetimeFigureOut">
               <a:rPr lang="en-US" smtClean="0"/>
-              <a:t>10/19/2020</a:t>
+              <a:t>10/20/2020</a:t>
             </a:fld>
             <a:endParaRPr lang="en-US"/>
           </a:p>
@@ -1967,7 +1972,7 @@
           <a:p>
             <a:fld id="{6FD6E785-74B7-4B70-A60D-BC6A86A3CB49}" type="datetimeFigureOut">
               <a:rPr lang="en-US" smtClean="0"/>
-              <a:t>10/19/2020</a:t>
+              <a:t>10/20/2020</a:t>
             </a:fld>
             <a:endParaRPr lang="en-US"/>
           </a:p>
@@ -2080,7 +2085,7 @@
           <a:p>
             <a:fld id="{6FD6E785-74B7-4B70-A60D-BC6A86A3CB49}" type="datetimeFigureOut">
               <a:rPr lang="en-US" smtClean="0"/>
-              <a:t>10/19/2020</a:t>
+              <a:t>10/20/2020</a:t>
             </a:fld>
             <a:endParaRPr lang="en-US"/>
           </a:p>
@@ -2393,7 +2398,7 @@
           <a:p>
             <a:fld id="{6FD6E785-74B7-4B70-A60D-BC6A86A3CB49}" type="datetimeFigureOut">
               <a:rPr lang="en-US" smtClean="0"/>
-              <a:t>10/19/2020</a:t>
+              <a:t>10/20/2020</a:t>
             </a:fld>
             <a:endParaRPr lang="en-US"/>
           </a:p>
@@ -2682,7 +2687,7 @@
           <a:p>
             <a:fld id="{6FD6E785-74B7-4B70-A60D-BC6A86A3CB49}" type="datetimeFigureOut">
               <a:rPr lang="en-US" smtClean="0"/>
-              <a:t>10/19/2020</a:t>
+              <a:t>10/20/2020</a:t>
             </a:fld>
             <a:endParaRPr lang="en-US"/>
           </a:p>
@@ -2925,7 +2930,7 @@
           <a:p>
             <a:fld id="{6FD6E785-74B7-4B70-A60D-BC6A86A3CB49}" type="datetimeFigureOut">
               <a:rPr lang="en-US" smtClean="0"/>
-              <a:t>10/19/2020</a:t>
+              <a:t>10/20/2020</a:t>
             </a:fld>
             <a:endParaRPr lang="en-US"/>
           </a:p>
@@ -3469,6 +3474,59 @@
           <a:lstStyle/>
           <a:p>
             <a:pPr algn="ctr"/>
+            <a:r>
+              <a:rPr lang="es-MX"/>
+              <a:t>Reuniones</a:t>
+            </a:r>
+          </a:p>
+          <a:p>
+            <a:pPr algn="ctr"/>
+            <a:r>
+              <a:rPr lang="es-MX"/>
+              <a:t>Mantener la comunicación</a:t>
+            </a:r>
+          </a:p>
+          <a:p>
+            <a:pPr algn="ctr"/>
+            <a:r>
+              <a:rPr lang="es-MX"/>
+              <a:t>Constancia del grupo en asistencia</a:t>
+            </a:r>
+          </a:p>
+          <a:p>
+            <a:pPr algn="ctr"/>
+            <a:r>
+              <a:rPr lang="es-MX"/>
+              <a:t>Retroalimentación</a:t>
+            </a:r>
+          </a:p>
+          <a:p>
+            <a:pPr algn="ctr"/>
+            <a:r>
+              <a:rPr lang="es-MX"/>
+              <a:t>Compromiso y puntualidad con acuerdos</a:t>
+            </a:r>
+          </a:p>
+          <a:p>
+            <a:pPr algn="ctr"/>
+            <a:r>
+              <a:rPr lang="es-MX"/>
+              <a:t>Colaboración</a:t>
+            </a:r>
+          </a:p>
+          <a:p>
+            <a:pPr algn="ctr"/>
+            <a:r>
+              <a:rPr lang="es-MX"/>
+              <a:t>Rápida reacción a los problemas</a:t>
+            </a:r>
+          </a:p>
+          <a:p>
+            <a:pPr algn="ctr"/>
+            <a:r>
+              <a:rPr lang="es-MX"/>
+              <a:t>Acuerdos bien definidos</a:t>
+            </a:r>
             <a:endParaRPr lang="en-US"/>
           </a:p>
         </p:txBody>
@@ -3591,7 +3649,45 @@
           <a:lstStyle/>
           <a:p>
             <a:pPr algn="ctr"/>
-            <a:endParaRPr lang="en-US"/>
+            <a:r>
+              <a:rPr lang="es-MX"/>
+              <a:t>Comunicación</a:t>
+            </a:r>
+          </a:p>
+          <a:p>
+            <a:pPr algn="ctr"/>
+            <a:r>
+              <a:rPr lang="es-MX"/>
+              <a:t>Negociación</a:t>
+            </a:r>
+          </a:p>
+          <a:p>
+            <a:pPr algn="ctr"/>
+            <a:r>
+              <a:rPr lang="es-MX"/>
+              <a:t>Compromiso</a:t>
+            </a:r>
+          </a:p>
+          <a:p>
+            <a:pPr algn="ctr"/>
+            <a:r>
+              <a:rPr lang="es-MX"/>
+              <a:t>Interpretación del problema</a:t>
+            </a:r>
+          </a:p>
+          <a:p>
+            <a:pPr algn="ctr"/>
+            <a:r>
+              <a:rPr lang="es-MX"/>
+              <a:t>Reuniones constantes</a:t>
+            </a:r>
+          </a:p>
+          <a:p>
+            <a:pPr algn="ctr"/>
+            <a:r>
+              <a:rPr lang="es-MX"/>
+              <a:t>Segmentación de las pruebas</a:t>
+            </a:r>
           </a:p>
         </p:txBody>
       </p:sp>
@@ -3713,6 +3809,31 @@
           <a:lstStyle/>
           <a:p>
             <a:pPr algn="ctr"/>
+            <a:r>
+              <a:rPr lang="es-MX"/>
+              <a:t>Evitar tantas modificaciones</a:t>
+            </a:r>
+          </a:p>
+          <a:p>
+            <a:pPr algn="ctr"/>
+            <a:r>
+              <a:rPr lang="es-MX"/>
+              <a:t>Revisar los criterios de aceptación antes de empezar el sprint</a:t>
+            </a:r>
+          </a:p>
+          <a:p>
+            <a:pPr algn="ctr"/>
+            <a:r>
+              <a:rPr lang="es-MX"/>
+              <a:t>Obtener los datos de prueba con anticipación al Sprint</a:t>
+            </a:r>
+          </a:p>
+          <a:p>
+            <a:pPr algn="ctr"/>
+            <a:r>
+              <a:rPr lang="es-MX"/>
+              <a:t>Realizar más reuniones por parte del ED</a:t>
+            </a:r>
             <a:endParaRPr lang="en-US"/>
           </a:p>
         </p:txBody>
@@ -3835,7 +3956,35 @@
           <a:lstStyle/>
           <a:p>
             <a:pPr algn="ctr"/>
-            <a:endParaRPr lang="en-US"/>
+            <a:r>
+              <a:rPr lang="es-MX"/>
+              <a:t>Revisión de ortografía</a:t>
+            </a:r>
+            <a:br>
+              <a:rPr lang="es-MX"/>
+            </a:br>
+            <a:r>
+              <a:rPr lang="es-MX"/>
+              <a:t>Cuidado al momento de aplicar los cambios de pruebas</a:t>
+            </a:r>
+          </a:p>
+          <a:p>
+            <a:pPr algn="ctr"/>
+            <a:r>
+              <a:rPr lang="es-MX"/>
+              <a:t>Se realizaron modifaciones a los requerimientos</a:t>
+            </a:r>
+          </a:p>
+          <a:p>
+            <a:pPr algn="ctr"/>
+            <a:r>
+              <a:rPr lang="es-MX"/>
+              <a:t>No se contaron con los datos prueba completa</a:t>
+            </a:r>
+          </a:p>
+          <a:p>
+            <a:pPr algn="ctr"/>
+            <a:endParaRPr lang="es-MX"/>
           </a:p>
         </p:txBody>
       </p:sp>
@@ -3921,7 +4070,7 @@
         </p:blipFill>
         <p:spPr>
           <a:xfrm>
-            <a:off x="11189626" y="5187443"/>
+            <a:off x="11458913" y="5189432"/>
             <a:ext cx="954730" cy="1769743"/>
           </a:xfrm>
           <a:prstGeom prst="rect">
